--- a/01 PhD Study/Research02-SATM/SATM-GRAPH.pptx
+++ b/01 PhD Study/Research02-SATM/SATM-GRAPH.pptx
@@ -8246,7 +8246,7 @@
           <a:p>
             <a:fld id="{D997B5FA-0921-464F-AAE1-844C04324D75}" type="datetimeFigureOut">
               <a:rPr lang="zh-CN" altLang="en-US" smtClean="0"/>
-              <a:t>2024/7/10</a:t>
+              <a:t>2024/7/11</a:t>
             </a:fld>
             <a:endParaRPr lang="zh-CN" altLang="en-US"/>
           </a:p>
@@ -8409,7 +8409,7 @@
           <a:p>
             <a:fld id="{D997B5FA-0921-464F-AAE1-844C04324D75}" type="datetimeFigureOut">
               <a:rPr lang="zh-CN" altLang="en-US" smtClean="0"/>
-              <a:t>2024/7/10</a:t>
+              <a:t>2024/7/11</a:t>
             </a:fld>
             <a:endParaRPr lang="zh-CN" altLang="en-US"/>
           </a:p>
@@ -8582,7 +8582,7 @@
           <a:p>
             <a:fld id="{D997B5FA-0921-464F-AAE1-844C04324D75}" type="datetimeFigureOut">
               <a:rPr lang="zh-CN" altLang="en-US" smtClean="0"/>
-              <a:t>2024/7/10</a:t>
+              <a:t>2024/7/11</a:t>
             </a:fld>
             <a:endParaRPr lang="zh-CN" altLang="en-US"/>
           </a:p>
@@ -8745,7 +8745,7 @@
           <a:p>
             <a:fld id="{D997B5FA-0921-464F-AAE1-844C04324D75}" type="datetimeFigureOut">
               <a:rPr lang="zh-CN" altLang="en-US" smtClean="0"/>
-              <a:t>2024/7/10</a:t>
+              <a:t>2024/7/11</a:t>
             </a:fld>
             <a:endParaRPr lang="zh-CN" altLang="en-US"/>
           </a:p>
@@ -8985,7 +8985,7 @@
           <a:p>
             <a:fld id="{D997B5FA-0921-464F-AAE1-844C04324D75}" type="datetimeFigureOut">
               <a:rPr lang="zh-CN" altLang="en-US" smtClean="0"/>
-              <a:t>2024/7/10</a:t>
+              <a:t>2024/7/11</a:t>
             </a:fld>
             <a:endParaRPr lang="zh-CN" altLang="en-US"/>
           </a:p>
@@ -9209,7 +9209,7 @@
           <a:p>
             <a:fld id="{D997B5FA-0921-464F-AAE1-844C04324D75}" type="datetimeFigureOut">
               <a:rPr lang="zh-CN" altLang="en-US" smtClean="0"/>
-              <a:t>2024/7/10</a:t>
+              <a:t>2024/7/11</a:t>
             </a:fld>
             <a:endParaRPr lang="zh-CN" altLang="en-US"/>
           </a:p>
@@ -9568,7 +9568,7 @@
           <a:p>
             <a:fld id="{D997B5FA-0921-464F-AAE1-844C04324D75}" type="datetimeFigureOut">
               <a:rPr lang="zh-CN" altLang="en-US" smtClean="0"/>
-              <a:t>2024/7/10</a:t>
+              <a:t>2024/7/11</a:t>
             </a:fld>
             <a:endParaRPr lang="zh-CN" altLang="en-US"/>
           </a:p>
@@ -9680,7 +9680,7 @@
           <a:p>
             <a:fld id="{D997B5FA-0921-464F-AAE1-844C04324D75}" type="datetimeFigureOut">
               <a:rPr lang="zh-CN" altLang="en-US" smtClean="0"/>
-              <a:t>2024/7/10</a:t>
+              <a:t>2024/7/11</a:t>
             </a:fld>
             <a:endParaRPr lang="zh-CN" altLang="en-US"/>
           </a:p>
@@ -9770,7 +9770,7 @@
           <a:p>
             <a:fld id="{D997B5FA-0921-464F-AAE1-844C04324D75}" type="datetimeFigureOut">
               <a:rPr lang="zh-CN" altLang="en-US" smtClean="0"/>
-              <a:t>2024/7/10</a:t>
+              <a:t>2024/7/11</a:t>
             </a:fld>
             <a:endParaRPr lang="zh-CN" altLang="en-US"/>
           </a:p>
@@ -10040,7 +10040,7 @@
           <a:p>
             <a:fld id="{D997B5FA-0921-464F-AAE1-844C04324D75}" type="datetimeFigureOut">
               <a:rPr lang="zh-CN" altLang="en-US" smtClean="0"/>
-              <a:t>2024/7/10</a:t>
+              <a:t>2024/7/11</a:t>
             </a:fld>
             <a:endParaRPr lang="zh-CN" altLang="en-US"/>
           </a:p>
@@ -10287,7 +10287,7 @@
           <a:p>
             <a:fld id="{D997B5FA-0921-464F-AAE1-844C04324D75}" type="datetimeFigureOut">
               <a:rPr lang="zh-CN" altLang="en-US" smtClean="0"/>
-              <a:t>2024/7/10</a:t>
+              <a:t>2024/7/11</a:t>
             </a:fld>
             <a:endParaRPr lang="zh-CN" altLang="en-US"/>
           </a:p>
@@ -10493,7 +10493,7 @@
           <a:p>
             <a:fld id="{D997B5FA-0921-464F-AAE1-844C04324D75}" type="datetimeFigureOut">
               <a:rPr lang="zh-CN" altLang="en-US" smtClean="0"/>
-              <a:t>2024/7/10</a:t>
+              <a:t>2024/7/11</a:t>
             </a:fld>
             <a:endParaRPr lang="zh-CN" altLang="en-US"/>
           </a:p>
@@ -19941,8 +19941,8 @@
             </a:p>
           </p:txBody>
         </p:sp>
-        <mc:AlternateContent xmlns:mc="http://schemas.openxmlformats.org/markup-compatibility/2006">
-          <mc:Choice xmlns:a14="http://schemas.microsoft.com/office/drawing/2010/main" Requires="a14">
+        <mc:AlternateContent xmlns:mc="http://schemas.openxmlformats.org/markup-compatibility/2006" xmlns:a14="http://schemas.microsoft.com/office/drawing/2010/main">
+          <mc:Choice Requires="a14">
             <p:sp>
               <p:nvSpPr>
                 <p:cNvPr id="68" name="TextBox 67">
@@ -20123,7 +20123,7 @@
               </p:txBody>
             </p:sp>
           </mc:Choice>
-          <mc:Fallback>
+          <mc:Fallback xmlns="">
             <p:sp>
               <p:nvSpPr>
                 <p:cNvPr id="68" name="TextBox 67">
@@ -20168,8 +20168,8 @@
             </p:sp>
           </mc:Fallback>
         </mc:AlternateContent>
-        <mc:AlternateContent xmlns:mc="http://schemas.openxmlformats.org/markup-compatibility/2006">
-          <mc:Choice xmlns:a14="http://schemas.microsoft.com/office/drawing/2010/main" Requires="a14">
+        <mc:AlternateContent xmlns:mc="http://schemas.openxmlformats.org/markup-compatibility/2006" xmlns:a14="http://schemas.microsoft.com/office/drawing/2010/main">
+          <mc:Choice Requires="a14">
             <p:sp>
               <p:nvSpPr>
                 <p:cNvPr id="69" name="TextBox 68">
@@ -20248,7 +20248,7 @@
               </p:txBody>
             </p:sp>
           </mc:Choice>
-          <mc:Fallback>
+          <mc:Fallback xmlns="">
             <p:sp>
               <p:nvSpPr>
                 <p:cNvPr id="69" name="TextBox 68">
@@ -21171,8 +21171,8 @@
             </a:p>
           </p:txBody>
         </p:sp>
-        <mc:AlternateContent xmlns:mc="http://schemas.openxmlformats.org/markup-compatibility/2006">
-          <mc:Choice xmlns:a14="http://schemas.microsoft.com/office/drawing/2010/main" Requires="a14">
+        <mc:AlternateContent xmlns:mc="http://schemas.openxmlformats.org/markup-compatibility/2006" xmlns:a14="http://schemas.microsoft.com/office/drawing/2010/main">
+          <mc:Choice Requires="a14">
             <p:sp>
               <p:nvSpPr>
                 <p:cNvPr id="89" name="TextBox 88">
@@ -21242,7 +21242,7 @@
               </p:txBody>
             </p:sp>
           </mc:Choice>
-          <mc:Fallback>
+          <mc:Fallback xmlns="">
             <p:sp>
               <p:nvSpPr>
                 <p:cNvPr id="89" name="TextBox 88">
@@ -21287,8 +21287,8 @@
             </p:sp>
           </mc:Fallback>
         </mc:AlternateContent>
-        <mc:AlternateContent xmlns:mc="http://schemas.openxmlformats.org/markup-compatibility/2006">
-          <mc:Choice xmlns:a14="http://schemas.microsoft.com/office/drawing/2010/main" Requires="a14">
+        <mc:AlternateContent xmlns:mc="http://schemas.openxmlformats.org/markup-compatibility/2006" xmlns:a14="http://schemas.microsoft.com/office/drawing/2010/main">
+          <mc:Choice Requires="a14">
             <p:sp>
               <p:nvSpPr>
                 <p:cNvPr id="90" name="TextBox 89">
@@ -21358,7 +21358,7 @@
               </p:txBody>
             </p:sp>
           </mc:Choice>
-          <mc:Fallback>
+          <mc:Fallback xmlns="">
             <p:sp>
               <p:nvSpPr>
                 <p:cNvPr id="90" name="TextBox 89">
@@ -21580,8 +21580,8 @@
             </a:p>
           </p:txBody>
         </p:sp>
-        <mc:AlternateContent xmlns:mc="http://schemas.openxmlformats.org/markup-compatibility/2006">
-          <mc:Choice xmlns:a14="http://schemas.microsoft.com/office/drawing/2010/main" Requires="a14">
+        <mc:AlternateContent xmlns:mc="http://schemas.openxmlformats.org/markup-compatibility/2006" xmlns:a14="http://schemas.microsoft.com/office/drawing/2010/main">
+          <mc:Choice Requires="a14">
             <p:sp>
               <p:nvSpPr>
                 <p:cNvPr id="95" name="TextBox 94">
@@ -21660,7 +21660,7 @@
               </p:txBody>
             </p:sp>
           </mc:Choice>
-          <mc:Fallback>
+          <mc:Fallback xmlns="">
             <p:sp>
               <p:nvSpPr>
                 <p:cNvPr id="95" name="TextBox 94">
@@ -24901,8 +24901,8 @@
             </a:p>
           </p:txBody>
         </p:sp>
-        <mc:AlternateContent xmlns:mc="http://schemas.openxmlformats.org/markup-compatibility/2006">
-          <mc:Choice xmlns:a14="http://schemas.microsoft.com/office/drawing/2010/main" Requires="a14">
+        <mc:AlternateContent xmlns:mc="http://schemas.openxmlformats.org/markup-compatibility/2006" xmlns:a14="http://schemas.microsoft.com/office/drawing/2010/main">
+          <mc:Choice Requires="a14">
             <p:sp>
               <p:nvSpPr>
                 <p:cNvPr id="165" name="TextBox 164">
@@ -25087,7 +25087,7 @@
               </p:txBody>
             </p:sp>
           </mc:Choice>
-          <mc:Fallback>
+          <mc:Fallback xmlns="">
             <p:sp>
               <p:nvSpPr>
                 <p:cNvPr id="165" name="TextBox 164">
@@ -25132,8 +25132,8 @@
             </p:sp>
           </mc:Fallback>
         </mc:AlternateContent>
-        <mc:AlternateContent xmlns:mc="http://schemas.openxmlformats.org/markup-compatibility/2006">
-          <mc:Choice xmlns:a14="http://schemas.microsoft.com/office/drawing/2010/main" Requires="a14">
+        <mc:AlternateContent xmlns:mc="http://schemas.openxmlformats.org/markup-compatibility/2006" xmlns:a14="http://schemas.microsoft.com/office/drawing/2010/main">
+          <mc:Choice Requires="a14">
             <p:sp>
               <p:nvSpPr>
                 <p:cNvPr id="166" name="TextBox 165">
@@ -25218,7 +25218,7 @@
               </p:txBody>
             </p:sp>
           </mc:Choice>
-          <mc:Fallback>
+          <mc:Fallback xmlns="">
             <p:sp>
               <p:nvSpPr>
                 <p:cNvPr id="166" name="TextBox 165">
@@ -26106,8 +26106,8 @@
             </a:p>
           </p:txBody>
         </p:sp>
-        <mc:AlternateContent xmlns:mc="http://schemas.openxmlformats.org/markup-compatibility/2006">
-          <mc:Choice xmlns:a14="http://schemas.microsoft.com/office/drawing/2010/main" Requires="a14">
+        <mc:AlternateContent xmlns:mc="http://schemas.openxmlformats.org/markup-compatibility/2006" xmlns:a14="http://schemas.microsoft.com/office/drawing/2010/main">
+          <mc:Choice Requires="a14">
             <p:sp>
               <p:nvSpPr>
                 <p:cNvPr id="185" name="TextBox 184">
@@ -26177,7 +26177,7 @@
               </p:txBody>
             </p:sp>
           </mc:Choice>
-          <mc:Fallback>
+          <mc:Fallback xmlns="">
             <p:sp>
               <p:nvSpPr>
                 <p:cNvPr id="185" name="TextBox 184">
@@ -26222,8 +26222,8 @@
             </p:sp>
           </mc:Fallback>
         </mc:AlternateContent>
-        <mc:AlternateContent xmlns:mc="http://schemas.openxmlformats.org/markup-compatibility/2006">
-          <mc:Choice xmlns:a14="http://schemas.microsoft.com/office/drawing/2010/main" Requires="a14">
+        <mc:AlternateContent xmlns:mc="http://schemas.openxmlformats.org/markup-compatibility/2006" xmlns:a14="http://schemas.microsoft.com/office/drawing/2010/main">
+          <mc:Choice Requires="a14">
             <p:sp>
               <p:nvSpPr>
                 <p:cNvPr id="186" name="TextBox 185">
@@ -26293,7 +26293,7 @@
               </p:txBody>
             </p:sp>
           </mc:Choice>
-          <mc:Fallback>
+          <mc:Fallback xmlns="">
             <p:sp>
               <p:nvSpPr>
                 <p:cNvPr id="186" name="TextBox 185">
@@ -26515,8 +26515,8 @@
             </a:p>
           </p:txBody>
         </p:sp>
-        <mc:AlternateContent xmlns:mc="http://schemas.openxmlformats.org/markup-compatibility/2006">
-          <mc:Choice xmlns:a14="http://schemas.microsoft.com/office/drawing/2010/main" Requires="a14">
+        <mc:AlternateContent xmlns:mc="http://schemas.openxmlformats.org/markup-compatibility/2006" xmlns:a14="http://schemas.microsoft.com/office/drawing/2010/main">
+          <mc:Choice Requires="a14">
             <p:sp>
               <p:nvSpPr>
                 <p:cNvPr id="191" name="TextBox 190">
@@ -26601,7 +26601,7 @@
               </p:txBody>
             </p:sp>
           </mc:Choice>
-          <mc:Fallback>
+          <mc:Fallback xmlns="">
             <p:sp>
               <p:nvSpPr>
                 <p:cNvPr id="191" name="TextBox 190">
@@ -30759,8 +30759,8 @@
           </a:p>
         </p:txBody>
       </p:sp>
-      <mc:AlternateContent xmlns:mc="http://schemas.openxmlformats.org/markup-compatibility/2006">
-        <mc:Choice xmlns:a14="http://schemas.microsoft.com/office/drawing/2010/main" Requires="a14">
+      <mc:AlternateContent xmlns:mc="http://schemas.openxmlformats.org/markup-compatibility/2006" xmlns:a14="http://schemas.microsoft.com/office/drawing/2010/main">
+        <mc:Choice Requires="a14">
           <p:sp>
             <p:nvSpPr>
               <p:cNvPr id="14" name="TextBox 13">
@@ -30885,7 +30885,7 @@
             </p:txBody>
           </p:sp>
         </mc:Choice>
-        <mc:Fallback>
+        <mc:Fallback xmlns="">
           <p:sp>
             <p:nvSpPr>
               <p:cNvPr id="14" name="TextBox 13">
@@ -30930,8 +30930,8 @@
           </p:sp>
         </mc:Fallback>
       </mc:AlternateContent>
-      <mc:AlternateContent xmlns:mc="http://schemas.openxmlformats.org/markup-compatibility/2006">
-        <mc:Choice xmlns:a14="http://schemas.microsoft.com/office/drawing/2010/main" Requires="a14">
+      <mc:AlternateContent xmlns:mc="http://schemas.openxmlformats.org/markup-compatibility/2006" xmlns:a14="http://schemas.microsoft.com/office/drawing/2010/main">
+        <mc:Choice Requires="a14">
           <p:sp>
             <p:nvSpPr>
               <p:cNvPr id="15" name="TextBox 14">
@@ -31056,7 +31056,7 @@
             </p:txBody>
           </p:sp>
         </mc:Choice>
-        <mc:Fallback>
+        <mc:Fallback xmlns="">
           <p:sp>
             <p:nvSpPr>
               <p:cNvPr id="15" name="TextBox 14">
@@ -34365,8 +34365,8 @@
           </a:p>
         </p:txBody>
       </p:sp>
-      <mc:AlternateContent xmlns:mc="http://schemas.openxmlformats.org/markup-compatibility/2006">
-        <mc:Choice xmlns:a14="http://schemas.microsoft.com/office/drawing/2010/main" Requires="a14">
+      <mc:AlternateContent xmlns:mc="http://schemas.openxmlformats.org/markup-compatibility/2006" xmlns:a14="http://schemas.microsoft.com/office/drawing/2010/main">
+        <mc:Choice Requires="a14">
           <p:sp>
             <p:nvSpPr>
               <p:cNvPr id="13" name="TextBox 12">
@@ -34491,7 +34491,7 @@
             </p:txBody>
           </p:sp>
         </mc:Choice>
-        <mc:Fallback>
+        <mc:Fallback xmlns="">
           <p:sp>
             <p:nvSpPr>
               <p:cNvPr id="13" name="TextBox 12">
@@ -34536,8 +34536,8 @@
           </p:sp>
         </mc:Fallback>
       </mc:AlternateContent>
-      <mc:AlternateContent xmlns:mc="http://schemas.openxmlformats.org/markup-compatibility/2006">
-        <mc:Choice xmlns:a14="http://schemas.microsoft.com/office/drawing/2010/main" Requires="a14">
+      <mc:AlternateContent xmlns:mc="http://schemas.openxmlformats.org/markup-compatibility/2006" xmlns:a14="http://schemas.microsoft.com/office/drawing/2010/main">
+        <mc:Choice Requires="a14">
           <p:sp>
             <p:nvSpPr>
               <p:cNvPr id="14" name="TextBox 13">
@@ -34662,7 +34662,7 @@
             </p:txBody>
           </p:sp>
         </mc:Choice>
-        <mc:Fallback>
+        <mc:Fallback xmlns="">
           <p:sp>
             <p:nvSpPr>
               <p:cNvPr id="14" name="TextBox 13">
@@ -42705,8 +42705,8 @@
           </a:p>
         </p:txBody>
       </p:sp>
-      <mc:AlternateContent xmlns:mc="http://schemas.openxmlformats.org/markup-compatibility/2006">
-        <mc:Choice xmlns:a14="http://schemas.microsoft.com/office/drawing/2010/main" Requires="a14">
+      <mc:AlternateContent xmlns:mc="http://schemas.openxmlformats.org/markup-compatibility/2006" xmlns:a14="http://schemas.microsoft.com/office/drawing/2010/main">
+        <mc:Choice Requires="a14">
           <p:sp>
             <p:nvSpPr>
               <p:cNvPr id="122" name="TextBox 121">
@@ -42891,7 +42891,7 @@
             </p:txBody>
           </p:sp>
         </mc:Choice>
-        <mc:Fallback>
+        <mc:Fallback xmlns="">
           <p:sp>
             <p:nvSpPr>
               <p:cNvPr id="122" name="TextBox 121">
@@ -42936,8 +42936,8 @@
           </p:sp>
         </mc:Fallback>
       </mc:AlternateContent>
-      <mc:AlternateContent xmlns:mc="http://schemas.openxmlformats.org/markup-compatibility/2006">
-        <mc:Choice xmlns:a14="http://schemas.microsoft.com/office/drawing/2010/main" Requires="a14">
+      <mc:AlternateContent xmlns:mc="http://schemas.openxmlformats.org/markup-compatibility/2006" xmlns:a14="http://schemas.microsoft.com/office/drawing/2010/main">
+        <mc:Choice Requires="a14">
           <p:sp>
             <p:nvSpPr>
               <p:cNvPr id="123" name="TextBox 122">
@@ -43022,7 +43022,7 @@
             </p:txBody>
           </p:sp>
         </mc:Choice>
-        <mc:Fallback>
+        <mc:Fallback xmlns="">
           <p:sp>
             <p:nvSpPr>
               <p:cNvPr id="123" name="TextBox 122">
@@ -44483,8 +44483,8 @@
           </a:fontRef>
         </p:style>
       </p:cxnSp>
-      <mc:AlternateContent xmlns:mc="http://schemas.openxmlformats.org/markup-compatibility/2006">
-        <mc:Choice xmlns:a14="http://schemas.microsoft.com/office/drawing/2010/main" Requires="a14">
+      <mc:AlternateContent xmlns:mc="http://schemas.openxmlformats.org/markup-compatibility/2006" xmlns:a14="http://schemas.microsoft.com/office/drawing/2010/main">
+        <mc:Choice Requires="a14">
           <p:sp>
             <p:nvSpPr>
               <p:cNvPr id="154" name="TextBox 153">
@@ -44569,7 +44569,7 @@
             </p:txBody>
           </p:sp>
         </mc:Choice>
-        <mc:Fallback>
+        <mc:Fallback xmlns="">
           <p:sp>
             <p:nvSpPr>
               <p:cNvPr id="154" name="TextBox 153">
@@ -45799,8 +45799,8 @@
           </a:p>
         </p:txBody>
       </p:sp>
-      <mc:AlternateContent xmlns:mc="http://schemas.openxmlformats.org/markup-compatibility/2006">
-        <mc:Choice xmlns:a14="http://schemas.microsoft.com/office/drawing/2010/main" Requires="a14">
+      <mc:AlternateContent xmlns:mc="http://schemas.openxmlformats.org/markup-compatibility/2006" xmlns:a14="http://schemas.microsoft.com/office/drawing/2010/main">
+        <mc:Choice Requires="a14">
           <p:sp>
             <p:nvSpPr>
               <p:cNvPr id="179" name="TextBox 178">
@@ -45870,7 +45870,7 @@
             </p:txBody>
           </p:sp>
         </mc:Choice>
-        <mc:Fallback>
+        <mc:Fallback xmlns="">
           <p:sp>
             <p:nvSpPr>
               <p:cNvPr id="179" name="TextBox 178">
@@ -46004,8 +46004,8 @@
           </a:p>
         </p:txBody>
       </p:sp>
-      <mc:AlternateContent xmlns:mc="http://schemas.openxmlformats.org/markup-compatibility/2006">
-        <mc:Choice xmlns:a14="http://schemas.microsoft.com/office/drawing/2010/main" Requires="a14">
+      <mc:AlternateContent xmlns:mc="http://schemas.openxmlformats.org/markup-compatibility/2006" xmlns:a14="http://schemas.microsoft.com/office/drawing/2010/main">
+        <mc:Choice Requires="a14">
           <p:sp>
             <p:nvSpPr>
               <p:cNvPr id="182" name="TextBox 181">
@@ -46075,7 +46075,7 @@
             </p:txBody>
           </p:sp>
         </mc:Choice>
-        <mc:Fallback>
+        <mc:Fallback xmlns="">
           <p:sp>
             <p:nvSpPr>
               <p:cNvPr id="182" name="TextBox 181">
